--- a/I’ve got an Idea.pptx
+++ b/I’ve got an Idea.pptx
@@ -10,6 +10,8 @@
     <p:sldId id="258" r:id="rId4"/>
     <p:sldId id="259" r:id="rId5"/>
     <p:sldId id="260" r:id="rId6"/>
+    <p:sldId id="261" r:id="rId7"/>
+    <p:sldId id="262" r:id="rId8"/>
   </p:sldIdLst>
   <p:sldSz cx="12192000" cy="6858000"/>
   <p:notesSz cx="6858000" cy="9144000"/>
@@ -108,6 +110,11 @@
       </a:defRPr>
     </a:lvl9pPr>
   </p:defaultTextStyle>
+  <p:extLst>
+    <p:ext uri="{EFAFB233-063F-42B5-8137-9DF3F51BA10A}">
+      <p15:sldGuideLst xmlns:p15="http://schemas.microsoft.com/office/powerpoint/2012/main"/>
+    </p:ext>
+  </p:extLst>
 </p:presentation>
 </file>
 
@@ -3480,7 +3487,17 @@
             <a:pPr lvl="1"/>
             <a:r>
               <a:rPr lang="da-DK" dirty="0" smtClean="0"/>
-              <a:t>The IDEA platform</a:t>
+              <a:t>The IDEA </a:t>
+            </a:r>
+            <a:r>
+              <a:rPr lang="da-DK" dirty="0" smtClean="0"/>
+              <a:t>platform</a:t>
+            </a:r>
+          </a:p>
+          <a:p>
+            <a:r>
+              <a:rPr lang="da-DK" dirty="0" smtClean="0"/>
+              <a:t>Quick introduction to the commands</a:t>
             </a:r>
             <a:endParaRPr lang="da-DK" dirty="0"/>
           </a:p>
@@ -3819,6 +3836,841 @@
     <p:extLst>
       <p:ext uri="{BB962C8B-B14F-4D97-AF65-F5344CB8AC3E}">
         <p14:creationId xmlns:p14="http://schemas.microsoft.com/office/powerpoint/2010/main" val="2943501735"/>
+      </p:ext>
+    </p:extLst>
+  </p:cSld>
+  <p:clrMapOvr>
+    <a:masterClrMapping/>
+  </p:clrMapOvr>
+</p:sld>
+</file>
+
+<file path=ppt/slides/slide6.xml><?xml version="1.0" encoding="utf-8"?>
+<p:sld xmlns:a="http://schemas.openxmlformats.org/drawingml/2006/main" xmlns:r="http://schemas.openxmlformats.org/officeDocument/2006/relationships" xmlns:p="http://schemas.openxmlformats.org/presentationml/2006/main">
+  <p:cSld>
+    <p:spTree>
+      <p:nvGrpSpPr>
+        <p:cNvPr id="1" name=""/>
+        <p:cNvGrpSpPr/>
+        <p:nvPr/>
+      </p:nvGrpSpPr>
+      <p:grpSpPr>
+        <a:xfrm>
+          <a:off x="0" y="0"/>
+          <a:ext cx="0" cy="0"/>
+          <a:chOff x="0" y="0"/>
+          <a:chExt cx="0" cy="0"/>
+        </a:xfrm>
+      </p:grpSpPr>
+      <p:sp>
+        <p:nvSpPr>
+          <p:cNvPr id="2" name="Title 1"/>
+          <p:cNvSpPr>
+            <a:spLocks noGrp="1"/>
+          </p:cNvSpPr>
+          <p:nvPr>
+            <p:ph type="title"/>
+          </p:nvPr>
+        </p:nvSpPr>
+        <p:spPr/>
+        <p:txBody>
+          <a:bodyPr/>
+          <a:lstStyle/>
+          <a:p>
+            <a:r>
+              <a:rPr lang="da-DK" dirty="0" smtClean="0"/>
+              <a:t>First steps</a:t>
+            </a:r>
+            <a:endParaRPr lang="da-DK" dirty="0"/>
+          </a:p>
+        </p:txBody>
+      </p:sp>
+      <p:sp>
+        <p:nvSpPr>
+          <p:cNvPr id="3" name="Content Placeholder 2"/>
+          <p:cNvSpPr>
+            <a:spLocks noGrp="1"/>
+          </p:cNvSpPr>
+          <p:nvPr>
+            <p:ph idx="1"/>
+          </p:nvPr>
+        </p:nvSpPr>
+        <p:spPr/>
+        <p:txBody>
+          <a:bodyPr/>
+          <a:lstStyle/>
+          <a:p>
+            <a:r>
+              <a:rPr lang="da-DK" dirty="0" smtClean="0"/>
+              <a:t>3 Exercises</a:t>
+            </a:r>
+          </a:p>
+          <a:p>
+            <a:r>
+              <a:rPr lang="da-DK" dirty="0" smtClean="0"/>
+              <a:t>Each exercise focuses on a different set of commands</a:t>
+            </a:r>
+          </a:p>
+          <a:p>
+            <a:pPr lvl="1"/>
+            <a:r>
+              <a:rPr lang="da-DK" dirty="0" smtClean="0"/>
+              <a:t>Exercise 1 – Contextual Action command</a:t>
+            </a:r>
+          </a:p>
+          <a:p>
+            <a:pPr lvl="1"/>
+            <a:r>
+              <a:rPr lang="da-DK" dirty="0" smtClean="0"/>
+              <a:t>Exercise 2 – Simple code generation and refactoring commands</a:t>
+            </a:r>
+          </a:p>
+          <a:p>
+            <a:pPr lvl="1"/>
+            <a:r>
+              <a:rPr lang="da-DK" dirty="0" smtClean="0"/>
+              <a:t>Exercise 3 – Navigation commands, how to live without the cursor</a:t>
+            </a:r>
+          </a:p>
+        </p:txBody>
+      </p:sp>
+    </p:spTree>
+    <p:extLst>
+      <p:ext uri="{BB962C8B-B14F-4D97-AF65-F5344CB8AC3E}">
+        <p14:creationId xmlns:p14="http://schemas.microsoft.com/office/powerpoint/2010/main" val="157806160"/>
+      </p:ext>
+    </p:extLst>
+  </p:cSld>
+  <p:clrMapOvr>
+    <a:masterClrMapping/>
+  </p:clrMapOvr>
+</p:sld>
+</file>
+
+<file path=ppt/slides/slide7.xml><?xml version="1.0" encoding="utf-8"?>
+<p:sld xmlns:a="http://schemas.openxmlformats.org/drawingml/2006/main" xmlns:r="http://schemas.openxmlformats.org/officeDocument/2006/relationships" xmlns:p="http://schemas.openxmlformats.org/presentationml/2006/main">
+  <p:cSld>
+    <p:spTree>
+      <p:nvGrpSpPr>
+        <p:cNvPr id="1" name=""/>
+        <p:cNvGrpSpPr/>
+        <p:nvPr/>
+      </p:nvGrpSpPr>
+      <p:grpSpPr>
+        <a:xfrm>
+          <a:off x="0" y="0"/>
+          <a:ext cx="0" cy="0"/>
+          <a:chOff x="0" y="0"/>
+          <a:chExt cx="0" cy="0"/>
+        </a:xfrm>
+      </p:grpSpPr>
+      <p:sp>
+        <p:nvSpPr>
+          <p:cNvPr id="2" name="Title 1"/>
+          <p:cNvSpPr>
+            <a:spLocks noGrp="1"/>
+          </p:cNvSpPr>
+          <p:nvPr>
+            <p:ph type="title"/>
+          </p:nvPr>
+        </p:nvSpPr>
+        <p:spPr/>
+        <p:txBody>
+          <a:bodyPr/>
+          <a:lstStyle/>
+          <a:p>
+            <a:r>
+              <a:rPr lang="da-DK" dirty="0" smtClean="0"/>
+              <a:t>Drawing Blocks</a:t>
+            </a:r>
+            <a:endParaRPr lang="da-DK" dirty="0"/>
+          </a:p>
+        </p:txBody>
+      </p:sp>
+      <p:pic>
+        <p:nvPicPr>
+          <p:cNvPr id="8" name="Content Placeholder 7"/>
+          <p:cNvPicPr>
+            <a:picLocks noGrp="1" noChangeAspect="1"/>
+          </p:cNvPicPr>
+          <p:nvPr>
+            <p:ph idx="1"/>
+          </p:nvPr>
+        </p:nvPicPr>
+        <p:blipFill>
+          <a:blip r:embed="rId2"/>
+          <a:stretch>
+            <a:fillRect/>
+          </a:stretch>
+        </p:blipFill>
+        <p:spPr>
+          <a:xfrm>
+            <a:off x="993392" y="2797988"/>
+            <a:ext cx="4040304" cy="3183881"/>
+          </a:xfrm>
+          <a:prstGeom prst="rect">
+            <a:avLst/>
+          </a:prstGeom>
+        </p:spPr>
+      </p:pic>
+      <p:sp>
+        <p:nvSpPr>
+          <p:cNvPr id="7" name="Rectangle 3"/>
+          <p:cNvSpPr>
+            <a:spLocks noChangeArrowheads="1"/>
+          </p:cNvSpPr>
+          <p:nvPr/>
+        </p:nvSpPr>
+        <p:spPr bwMode="auto">
+          <a:xfrm>
+            <a:off x="0" y="2068034"/>
+            <a:ext cx="6027089" cy="246221"/>
+          </a:xfrm>
+          <a:prstGeom prst="rect">
+            <a:avLst/>
+          </a:prstGeom>
+          <a:solidFill>
+            <a:srgbClr val="2B2B2B"/>
+          </a:solidFill>
+          <a:ln>
+            <a:noFill/>
+          </a:ln>
+          <a:effectLst/>
+          <a:extLst>
+            <a:ext uri="{91240B29-F687-4F45-9708-019B960494DF}">
+              <a14:hiddenLine xmlns:a14="http://schemas.microsoft.com/office/drawing/2010/main" w="9525">
+                <a:solidFill>
+                  <a:schemeClr val="tx1"/>
+                </a:solidFill>
+                <a:miter lim="800000"/>
+                <a:headEnd/>
+                <a:tailEnd/>
+              </a14:hiddenLine>
+            </a:ext>
+            <a:ext uri="{AF507438-7753-43E0-B8FC-AC1667EBCBE1}">
+              <a14:hiddenEffects xmlns:a14="http://schemas.microsoft.com/office/drawing/2010/main">
+                <a:effectLst>
+                  <a:outerShdw dist="35921" dir="2700000" algn="ctr" rotWithShape="0">
+                    <a:schemeClr val="bg2"/>
+                  </a:outerShdw>
+                </a:effectLst>
+              </a14:hiddenEffects>
+            </a:ext>
+          </a:extLst>
+        </p:spPr>
+        <p:txBody>
+          <a:bodyPr vert="horz" wrap="square" lIns="91440" tIns="45720" rIns="91440" bIns="45720" numCol="1" anchor="ctr" anchorCtr="0" compatLnSpc="1">
+            <a:prstTxWarp prst="textNoShape">
+              <a:avLst/>
+            </a:prstTxWarp>
+            <a:spAutoFit/>
+          </a:bodyPr>
+          <a:lstStyle/>
+          <a:p>
+            <a:pPr marL="0" marR="0" lvl="0" indent="0" algn="l" defTabSz="914400" rtl="0" eaLnBrk="0" fontAlgn="base" latinLnBrk="0" hangingPunct="0">
+              <a:lnSpc>
+                <a:spcPct val="100000"/>
+              </a:lnSpc>
+              <a:spcBef>
+                <a:spcPct val="0"/>
+              </a:spcBef>
+              <a:spcAft>
+                <a:spcPct val="0"/>
+              </a:spcAft>
+              <a:buClrTx/>
+              <a:buSzTx/>
+              <a:buFontTx/>
+              <a:buNone/>
+              <a:tabLst/>
+            </a:pPr>
+            <a:r>
+              <a:rPr kumimoji="0" lang="da-DK" altLang="da-DK" sz="1000" b="0" i="0" u="none" strike="noStrike" cap="none" normalizeH="0" baseline="0" dirty="0" smtClean="0">
+                <a:ln>
+                  <a:noFill/>
+                </a:ln>
+                <a:solidFill>
+                  <a:srgbClr val="CC7832"/>
+                </a:solidFill>
+                <a:effectLst/>
+                <a:latin typeface="Courier New" panose="02070309020205020404" pitchFamily="49" charset="0"/>
+                <a:cs typeface="Courier New" panose="02070309020205020404" pitchFamily="49" charset="0"/>
+              </a:rPr>
+              <a:t>new </a:t>
+            </a:r>
+            <a:r>
+              <a:rPr kumimoji="0" lang="da-DK" altLang="da-DK" sz="1000" b="0" i="0" u="none" strike="noStrike" cap="none" normalizeH="0" baseline="0" dirty="0" smtClean="0">
+                <a:ln>
+                  <a:noFill/>
+                </a:ln>
+                <a:solidFill>
+                  <a:srgbClr val="A9B7C6"/>
+                </a:solidFill>
+                <a:effectLst/>
+                <a:latin typeface="Courier New" panose="02070309020205020404" pitchFamily="49" charset="0"/>
+                <a:cs typeface="Courier New" panose="02070309020205020404" pitchFamily="49" charset="0"/>
+              </a:rPr>
+              <a:t>FigureDisplay(</a:t>
+            </a:r>
+            <a:r>
+              <a:rPr kumimoji="0" lang="da-DK" altLang="da-DK" sz="1000" b="0" i="0" u="none" strike="noStrike" cap="none" normalizeH="0" baseline="0" dirty="0" smtClean="0">
+                <a:ln>
+                  <a:noFill/>
+                </a:ln>
+                <a:solidFill>
+                  <a:srgbClr val="CC7832"/>
+                </a:solidFill>
+                <a:effectLst/>
+                <a:latin typeface="Courier New" panose="02070309020205020404" pitchFamily="49" charset="0"/>
+                <a:cs typeface="Courier New" panose="02070309020205020404" pitchFamily="49" charset="0"/>
+              </a:rPr>
+              <a:t>new </a:t>
+            </a:r>
+            <a:r>
+              <a:rPr kumimoji="0" lang="da-DK" altLang="da-DK" sz="1000" b="0" i="0" u="none" strike="noStrike" cap="none" normalizeH="0" baseline="0" dirty="0" smtClean="0">
+                <a:ln>
+                  <a:noFill/>
+                </a:ln>
+                <a:solidFill>
+                  <a:srgbClr val="A9B7C6"/>
+                </a:solidFill>
+                <a:effectLst/>
+                <a:latin typeface="Courier New" panose="02070309020205020404" pitchFamily="49" charset="0"/>
+                <a:cs typeface="Courier New" panose="02070309020205020404" pitchFamily="49" charset="0"/>
+              </a:rPr>
+              <a:t>RectangleBlock(</a:t>
+            </a:r>
+            <a:r>
+              <a:rPr kumimoji="0" lang="da-DK" altLang="da-DK" sz="1000" b="0" i="0" u="none" strike="noStrike" cap="none" normalizeH="0" baseline="0" dirty="0" smtClean="0">
+                <a:ln>
+                  <a:noFill/>
+                </a:ln>
+                <a:solidFill>
+                  <a:srgbClr val="CC7832"/>
+                </a:solidFill>
+                <a:effectLst/>
+                <a:latin typeface="Courier New" panose="02070309020205020404" pitchFamily="49" charset="0"/>
+                <a:cs typeface="Courier New" panose="02070309020205020404" pitchFamily="49" charset="0"/>
+              </a:rPr>
+              <a:t>new </a:t>
+            </a:r>
+            <a:r>
+              <a:rPr kumimoji="0" lang="da-DK" altLang="da-DK" sz="1000" b="0" i="0" u="none" strike="noStrike" cap="none" normalizeH="0" baseline="0" dirty="0" smtClean="0">
+                <a:ln>
+                  <a:noFill/>
+                </a:ln>
+                <a:solidFill>
+                  <a:srgbClr val="A9B7C6"/>
+                </a:solidFill>
+                <a:effectLst/>
+                <a:latin typeface="Courier New" panose="02070309020205020404" pitchFamily="49" charset="0"/>
+                <a:cs typeface="Courier New" panose="02070309020205020404" pitchFamily="49" charset="0"/>
+              </a:rPr>
+              <a:t>Vector2(</a:t>
+            </a:r>
+            <a:r>
+              <a:rPr kumimoji="0" lang="da-DK" altLang="da-DK" sz="1000" b="0" i="0" u="none" strike="noStrike" cap="none" normalizeH="0" baseline="0" dirty="0" smtClean="0">
+                <a:ln>
+                  <a:noFill/>
+                </a:ln>
+                <a:solidFill>
+                  <a:srgbClr val="6897BB"/>
+                </a:solidFill>
+                <a:effectLst/>
+                <a:latin typeface="Courier New" panose="02070309020205020404" pitchFamily="49" charset="0"/>
+                <a:cs typeface="Courier New" panose="02070309020205020404" pitchFamily="49" charset="0"/>
+              </a:rPr>
+              <a:t>400.0</a:t>
+            </a:r>
+            <a:r>
+              <a:rPr kumimoji="0" lang="da-DK" altLang="da-DK" sz="1000" b="0" i="0" u="none" strike="noStrike" cap="none" normalizeH="0" baseline="0" dirty="0" smtClean="0">
+                <a:ln>
+                  <a:noFill/>
+                </a:ln>
+                <a:solidFill>
+                  <a:srgbClr val="CC7832"/>
+                </a:solidFill>
+                <a:effectLst/>
+                <a:latin typeface="Courier New" panose="02070309020205020404" pitchFamily="49" charset="0"/>
+                <a:cs typeface="Courier New" panose="02070309020205020404" pitchFamily="49" charset="0"/>
+              </a:rPr>
+              <a:t>,</a:t>
+            </a:r>
+            <a:r>
+              <a:rPr kumimoji="0" lang="da-DK" altLang="da-DK" sz="1000" b="0" i="0" u="none" strike="noStrike" cap="none" normalizeH="0" baseline="0" dirty="0" smtClean="0">
+                <a:ln>
+                  <a:noFill/>
+                </a:ln>
+                <a:solidFill>
+                  <a:srgbClr val="6897BB"/>
+                </a:solidFill>
+                <a:effectLst/>
+                <a:latin typeface="Courier New" panose="02070309020205020404" pitchFamily="49" charset="0"/>
+                <a:cs typeface="Courier New" panose="02070309020205020404" pitchFamily="49" charset="0"/>
+              </a:rPr>
+              <a:t>300.0</a:t>
+            </a:r>
+            <a:r>
+              <a:rPr kumimoji="0" lang="da-DK" altLang="da-DK" sz="1000" b="0" i="0" u="none" strike="noStrike" cap="none" normalizeH="0" baseline="0" dirty="0" smtClean="0">
+                <a:ln>
+                  <a:noFill/>
+                </a:ln>
+                <a:solidFill>
+                  <a:srgbClr val="A9B7C6"/>
+                </a:solidFill>
+                <a:effectLst/>
+                <a:latin typeface="Courier New" panose="02070309020205020404" pitchFamily="49" charset="0"/>
+                <a:cs typeface="Courier New" panose="02070309020205020404" pitchFamily="49" charset="0"/>
+              </a:rPr>
+              <a:t>)</a:t>
+            </a:r>
+            <a:r>
+              <a:rPr kumimoji="0" lang="da-DK" altLang="da-DK" sz="1000" b="0" i="0" u="none" strike="noStrike" cap="none" normalizeH="0" baseline="0" dirty="0" smtClean="0">
+                <a:ln>
+                  <a:noFill/>
+                </a:ln>
+                <a:solidFill>
+                  <a:srgbClr val="CC7832"/>
+                </a:solidFill>
+                <a:effectLst/>
+                <a:latin typeface="Courier New" panose="02070309020205020404" pitchFamily="49" charset="0"/>
+                <a:cs typeface="Courier New" panose="02070309020205020404" pitchFamily="49" charset="0"/>
+              </a:rPr>
+              <a:t>,</a:t>
+            </a:r>
+            <a:r>
+              <a:rPr kumimoji="0" lang="da-DK" altLang="da-DK" sz="1000" b="0" i="0" u="none" strike="noStrike" cap="none" normalizeH="0" baseline="0" dirty="0" smtClean="0">
+                <a:ln>
+                  <a:noFill/>
+                </a:ln>
+                <a:solidFill>
+                  <a:srgbClr val="6897BB"/>
+                </a:solidFill>
+                <a:effectLst/>
+                <a:latin typeface="Courier New" panose="02070309020205020404" pitchFamily="49" charset="0"/>
+                <a:cs typeface="Courier New" panose="02070309020205020404" pitchFamily="49" charset="0"/>
+              </a:rPr>
+              <a:t>200.0</a:t>
+            </a:r>
+            <a:r>
+              <a:rPr kumimoji="0" lang="da-DK" altLang="da-DK" sz="1000" b="0" i="0" u="none" strike="noStrike" cap="none" normalizeH="0" baseline="0" dirty="0" smtClean="0">
+                <a:ln>
+                  <a:noFill/>
+                </a:ln>
+                <a:solidFill>
+                  <a:srgbClr val="CC7832"/>
+                </a:solidFill>
+                <a:effectLst/>
+                <a:latin typeface="Courier New" panose="02070309020205020404" pitchFamily="49" charset="0"/>
+                <a:cs typeface="Courier New" panose="02070309020205020404" pitchFamily="49" charset="0"/>
+              </a:rPr>
+              <a:t>,</a:t>
+            </a:r>
+            <a:r>
+              <a:rPr kumimoji="0" lang="da-DK" altLang="da-DK" sz="1000" b="0" i="0" u="none" strike="noStrike" cap="none" normalizeH="0" baseline="0" dirty="0" smtClean="0">
+                <a:ln>
+                  <a:noFill/>
+                </a:ln>
+                <a:solidFill>
+                  <a:srgbClr val="6897BB"/>
+                </a:solidFill>
+                <a:effectLst/>
+                <a:latin typeface="Courier New" panose="02070309020205020404" pitchFamily="49" charset="0"/>
+                <a:cs typeface="Courier New" panose="02070309020205020404" pitchFamily="49" charset="0"/>
+              </a:rPr>
+              <a:t>200.0</a:t>
+            </a:r>
+            <a:r>
+              <a:rPr kumimoji="0" lang="da-DK" altLang="da-DK" sz="1000" b="0" i="0" u="none" strike="noStrike" cap="none" normalizeH="0" baseline="0" dirty="0" smtClean="0">
+                <a:ln>
+                  <a:noFill/>
+                </a:ln>
+                <a:solidFill>
+                  <a:srgbClr val="A9B7C6"/>
+                </a:solidFill>
+                <a:effectLst/>
+                <a:latin typeface="Courier New" panose="02070309020205020404" pitchFamily="49" charset="0"/>
+                <a:cs typeface="Courier New" panose="02070309020205020404" pitchFamily="49" charset="0"/>
+              </a:rPr>
+              <a:t>))</a:t>
+            </a:r>
+            <a:r>
+              <a:rPr kumimoji="0" lang="da-DK" altLang="da-DK" sz="1000" b="0" i="0" u="none" strike="noStrike" cap="none" normalizeH="0" baseline="0" dirty="0" smtClean="0">
+                <a:ln>
+                  <a:noFill/>
+                </a:ln>
+                <a:solidFill>
+                  <a:srgbClr val="CC7832"/>
+                </a:solidFill>
+                <a:effectLst/>
+                <a:latin typeface="Courier New" panose="02070309020205020404" pitchFamily="49" charset="0"/>
+                <a:cs typeface="Courier New" panose="02070309020205020404" pitchFamily="49" charset="0"/>
+              </a:rPr>
+              <a:t>;</a:t>
+            </a:r>
+            <a:endParaRPr kumimoji="0" lang="da-DK" altLang="da-DK" sz="1800" b="0" i="0" u="none" strike="noStrike" cap="none" normalizeH="0" baseline="0" dirty="0" smtClean="0">
+              <a:ln>
+                <a:noFill/>
+              </a:ln>
+              <a:solidFill>
+                <a:schemeClr val="tx1"/>
+              </a:solidFill>
+              <a:effectLst/>
+              <a:latin typeface="Arial" panose="020B0604020202020204" pitchFamily="34" charset="0"/>
+            </a:endParaRPr>
+          </a:p>
+        </p:txBody>
+      </p:sp>
+      <p:cxnSp>
+        <p:nvCxnSpPr>
+          <p:cNvPr id="12" name="Curved Connector 11"/>
+          <p:cNvCxnSpPr>
+            <a:stCxn id="7" idx="3"/>
+            <a:endCxn id="8" idx="3"/>
+          </p:cNvCxnSpPr>
+          <p:nvPr/>
+        </p:nvCxnSpPr>
+        <p:spPr>
+          <a:xfrm flipH="1">
+            <a:off x="5033696" y="2191145"/>
+            <a:ext cx="993393" cy="2198784"/>
+          </a:xfrm>
+          <a:prstGeom prst="curvedConnector3">
+            <a:avLst>
+              <a:gd name="adj1" fmla="val -23012"/>
+            </a:avLst>
+          </a:prstGeom>
+          <a:ln>
+            <a:tailEnd type="triangle"/>
+          </a:ln>
+        </p:spPr>
+        <p:style>
+          <a:lnRef idx="1">
+            <a:schemeClr val="accent1"/>
+          </a:lnRef>
+          <a:fillRef idx="0">
+            <a:schemeClr val="accent1"/>
+          </a:fillRef>
+          <a:effectRef idx="0">
+            <a:schemeClr val="accent1"/>
+          </a:effectRef>
+          <a:fontRef idx="minor">
+            <a:schemeClr val="tx1"/>
+          </a:fontRef>
+        </p:style>
+      </p:cxnSp>
+      <p:sp>
+        <p:nvSpPr>
+          <p:cNvPr id="13" name="TextBox 12"/>
+          <p:cNvSpPr txBox="1"/>
+          <p:nvPr/>
+        </p:nvSpPr>
+        <p:spPr>
+          <a:xfrm>
+            <a:off x="5733410" y="3063108"/>
+            <a:ext cx="1092287" cy="369332"/>
+          </a:xfrm>
+          <a:prstGeom prst="rect">
+            <a:avLst/>
+          </a:prstGeom>
+          <a:noFill/>
+        </p:spPr>
+        <p:txBody>
+          <a:bodyPr wrap="none" rtlCol="0">
+            <a:spAutoFit/>
+          </a:bodyPr>
+          <a:lstStyle/>
+          <a:p>
+            <a:r>
+              <a:rPr lang="da-DK" dirty="0" smtClean="0"/>
+              <a:t>Results in</a:t>
+            </a:r>
+            <a:endParaRPr lang="da-DK" dirty="0"/>
+          </a:p>
+        </p:txBody>
+      </p:sp>
+      <p:sp>
+        <p:nvSpPr>
+          <p:cNvPr id="14" name="Left Brace 13"/>
+          <p:cNvSpPr/>
+          <p:nvPr/>
+        </p:nvSpPr>
+        <p:spPr>
+          <a:xfrm rot="16200000">
+            <a:off x="3703322" y="1405818"/>
+            <a:ext cx="206734" cy="1816874"/>
+          </a:xfrm>
+          <a:prstGeom prst="leftBrace">
+            <a:avLst>
+              <a:gd name="adj1" fmla="val 112179"/>
+              <a:gd name="adj2" fmla="val 50000"/>
+            </a:avLst>
+          </a:prstGeom>
+        </p:spPr>
+        <p:style>
+          <a:lnRef idx="1">
+            <a:schemeClr val="accent1"/>
+          </a:lnRef>
+          <a:fillRef idx="0">
+            <a:schemeClr val="accent1"/>
+          </a:fillRef>
+          <a:effectRef idx="0">
+            <a:schemeClr val="accent1"/>
+          </a:effectRef>
+          <a:fontRef idx="minor">
+            <a:schemeClr val="tx1"/>
+          </a:fontRef>
+        </p:style>
+        <p:txBody>
+          <a:bodyPr rtlCol="0" anchor="ctr"/>
+          <a:lstStyle/>
+          <a:p>
+            <a:pPr algn="ctr"/>
+            <a:endParaRPr lang="da-DK"/>
+          </a:p>
+        </p:txBody>
+      </p:sp>
+      <p:sp>
+        <p:nvSpPr>
+          <p:cNvPr id="18" name="TextBox 17"/>
+          <p:cNvSpPr txBox="1"/>
+          <p:nvPr/>
+        </p:nvSpPr>
+        <p:spPr>
+          <a:xfrm>
+            <a:off x="3458035" y="2411682"/>
+            <a:ext cx="697307" cy="276999"/>
+          </a:xfrm>
+          <a:prstGeom prst="rect">
+            <a:avLst/>
+          </a:prstGeom>
+          <a:noFill/>
+        </p:spPr>
+        <p:txBody>
+          <a:bodyPr wrap="none" rtlCol="0">
+            <a:spAutoFit/>
+          </a:bodyPr>
+          <a:lstStyle/>
+          <a:p>
+            <a:r>
+              <a:rPr lang="da-DK" sz="1200" dirty="0" smtClean="0"/>
+              <a:t>Position</a:t>
+            </a:r>
+            <a:endParaRPr lang="da-DK" sz="1200" dirty="0"/>
+          </a:p>
+        </p:txBody>
+      </p:sp>
+      <p:sp>
+        <p:nvSpPr>
+          <p:cNvPr id="19" name="Left Brace 18"/>
+          <p:cNvSpPr/>
+          <p:nvPr/>
+        </p:nvSpPr>
+        <p:spPr>
+          <a:xfrm rot="16200000">
+            <a:off x="4896157" y="2096775"/>
+            <a:ext cx="200795" cy="429017"/>
+          </a:xfrm>
+          <a:prstGeom prst="leftBrace">
+            <a:avLst>
+              <a:gd name="adj1" fmla="val 33615"/>
+              <a:gd name="adj2" fmla="val 50000"/>
+            </a:avLst>
+          </a:prstGeom>
+        </p:spPr>
+        <p:style>
+          <a:lnRef idx="1">
+            <a:schemeClr val="accent1"/>
+          </a:lnRef>
+          <a:fillRef idx="0">
+            <a:schemeClr val="accent1"/>
+          </a:fillRef>
+          <a:effectRef idx="0">
+            <a:schemeClr val="accent1"/>
+          </a:effectRef>
+          <a:fontRef idx="minor">
+            <a:schemeClr val="tx1"/>
+          </a:fontRef>
+        </p:style>
+        <p:txBody>
+          <a:bodyPr rtlCol="0" anchor="ctr"/>
+          <a:lstStyle/>
+          <a:p>
+            <a:pPr algn="ctr"/>
+            <a:endParaRPr lang="da-DK"/>
+          </a:p>
+        </p:txBody>
+      </p:sp>
+      <p:sp>
+        <p:nvSpPr>
+          <p:cNvPr id="20" name="TextBox 19"/>
+          <p:cNvSpPr txBox="1"/>
+          <p:nvPr/>
+        </p:nvSpPr>
+        <p:spPr>
+          <a:xfrm>
+            <a:off x="4708722" y="2417622"/>
+            <a:ext cx="572593" cy="276999"/>
+          </a:xfrm>
+          <a:prstGeom prst="rect">
+            <a:avLst/>
+          </a:prstGeom>
+          <a:noFill/>
+        </p:spPr>
+        <p:txBody>
+          <a:bodyPr wrap="none" rtlCol="0">
+            <a:spAutoFit/>
+          </a:bodyPr>
+          <a:lstStyle/>
+          <a:p>
+            <a:r>
+              <a:rPr lang="da-DK" sz="1200" dirty="0" smtClean="0"/>
+              <a:t>Width</a:t>
+            </a:r>
+            <a:endParaRPr lang="da-DK" sz="1200" dirty="0"/>
+          </a:p>
+        </p:txBody>
+      </p:sp>
+      <p:sp>
+        <p:nvSpPr>
+          <p:cNvPr id="21" name="Left Brace 20"/>
+          <p:cNvSpPr/>
+          <p:nvPr/>
+        </p:nvSpPr>
+        <p:spPr>
+          <a:xfrm rot="16200000">
+            <a:off x="5363851" y="2090834"/>
+            <a:ext cx="200795" cy="429017"/>
+          </a:xfrm>
+          <a:prstGeom prst="leftBrace">
+            <a:avLst>
+              <a:gd name="adj1" fmla="val 33615"/>
+              <a:gd name="adj2" fmla="val 50000"/>
+            </a:avLst>
+          </a:prstGeom>
+        </p:spPr>
+        <p:style>
+          <a:lnRef idx="1">
+            <a:schemeClr val="accent1"/>
+          </a:lnRef>
+          <a:fillRef idx="0">
+            <a:schemeClr val="accent1"/>
+          </a:fillRef>
+          <a:effectRef idx="0">
+            <a:schemeClr val="accent1"/>
+          </a:effectRef>
+          <a:fontRef idx="minor">
+            <a:schemeClr val="tx1"/>
+          </a:fontRef>
+        </p:style>
+        <p:txBody>
+          <a:bodyPr rtlCol="0" anchor="ctr"/>
+          <a:lstStyle/>
+          <a:p>
+            <a:pPr algn="ctr"/>
+            <a:endParaRPr lang="da-DK"/>
+          </a:p>
+        </p:txBody>
+      </p:sp>
+      <p:sp>
+        <p:nvSpPr>
+          <p:cNvPr id="22" name="TextBox 21"/>
+          <p:cNvSpPr txBox="1"/>
+          <p:nvPr/>
+        </p:nvSpPr>
+        <p:spPr>
+          <a:xfrm>
+            <a:off x="5176416" y="2411681"/>
+            <a:ext cx="615874" cy="276999"/>
+          </a:xfrm>
+          <a:prstGeom prst="rect">
+            <a:avLst/>
+          </a:prstGeom>
+          <a:noFill/>
+        </p:spPr>
+        <p:txBody>
+          <a:bodyPr wrap="none" rtlCol="0">
+            <a:spAutoFit/>
+          </a:bodyPr>
+          <a:lstStyle/>
+          <a:p>
+            <a:r>
+              <a:rPr lang="da-DK" sz="1200" dirty="0" smtClean="0"/>
+              <a:t>Height</a:t>
+            </a:r>
+            <a:endParaRPr lang="da-DK" sz="1200" dirty="0"/>
+          </a:p>
+        </p:txBody>
+      </p:sp>
+      <p:sp>
+        <p:nvSpPr>
+          <p:cNvPr id="24" name="TextBox 23"/>
+          <p:cNvSpPr txBox="1"/>
+          <p:nvPr/>
+        </p:nvSpPr>
+        <p:spPr>
+          <a:xfrm>
+            <a:off x="7251590" y="2550180"/>
+            <a:ext cx="4023360" cy="1292662"/>
+          </a:xfrm>
+          <a:prstGeom prst="rect">
+            <a:avLst/>
+          </a:prstGeom>
+          <a:noFill/>
+        </p:spPr>
+        <p:txBody>
+          <a:bodyPr wrap="square" rtlCol="0">
+            <a:spAutoFit/>
+          </a:bodyPr>
+          <a:lstStyle/>
+          <a:p>
+            <a:r>
+              <a:rPr lang="da-DK" dirty="0" smtClean="0"/>
+              <a:t>A simple drawing framework</a:t>
+            </a:r>
+          </a:p>
+          <a:p>
+            <a:r>
+              <a:rPr lang="da-DK" dirty="0" smtClean="0"/>
+              <a:t>Write 3 extensions</a:t>
+            </a:r>
+          </a:p>
+          <a:p>
+            <a:pPr marL="285750" indent="-285750">
+              <a:buFont typeface="Wingdings" panose="05000000000000000000" pitchFamily="2" charset="2"/>
+              <a:buChar char="§"/>
+            </a:pPr>
+            <a:r>
+              <a:rPr lang="da-DK" sz="1400" dirty="0" smtClean="0"/>
+              <a:t>Filled figures, not just outlines</a:t>
+            </a:r>
+          </a:p>
+          <a:p>
+            <a:pPr marL="285750" indent="-285750">
+              <a:buFont typeface="Wingdings" panose="05000000000000000000" pitchFamily="2" charset="2"/>
+              <a:buChar char="§"/>
+            </a:pPr>
+            <a:r>
+              <a:rPr lang="da-DK" sz="1400" dirty="0" smtClean="0"/>
+              <a:t>Vary the colors of the figures</a:t>
+            </a:r>
+          </a:p>
+          <a:p>
+            <a:pPr marL="285750" indent="-285750">
+              <a:buFont typeface="Wingdings" panose="05000000000000000000" pitchFamily="2" charset="2"/>
+              <a:buChar char="§"/>
+            </a:pPr>
+            <a:r>
+              <a:rPr lang="da-DK" sz="1400" dirty="0" smtClean="0"/>
+              <a:t>Create complex shapes, such as houses</a:t>
+            </a:r>
+            <a:endParaRPr lang="da-DK" sz="1400" dirty="0"/>
+          </a:p>
+        </p:txBody>
+      </p:sp>
+    </p:spTree>
+    <p:extLst>
+      <p:ext uri="{BB962C8B-B14F-4D97-AF65-F5344CB8AC3E}">
+        <p14:creationId xmlns:p14="http://schemas.microsoft.com/office/powerpoint/2010/main" val="2858467661"/>
       </p:ext>
     </p:extLst>
   </p:cSld>

--- a/I’ve got an Idea.pptx
+++ b/I’ve got an Idea.pptx
@@ -3487,24 +3487,25 @@
             <a:pPr lvl="1"/>
             <a:r>
               <a:rPr lang="da-DK" dirty="0" smtClean="0"/>
-              <a:t>The IDEA </a:t>
+              <a:t>The </a:t>
+            </a:r>
+            <a:r>
+              <a:rPr lang="da-DK" smtClean="0"/>
+              <a:t>IDEA </a:t>
+            </a:r>
+            <a:r>
+              <a:rPr lang="da-DK" smtClean="0"/>
+              <a:t>platform</a:t>
+            </a:r>
+          </a:p>
+          <a:p>
+            <a:r>
+              <a:rPr lang="da-DK" smtClean="0"/>
+              <a:t>The </a:t>
             </a:r>
             <a:r>
               <a:rPr lang="da-DK" dirty="0" smtClean="0"/>
-              <a:t>platform</a:t>
-            </a:r>
-          </a:p>
-          <a:p>
-            <a:r>
-              <a:rPr lang="da-DK" dirty="0" smtClean="0"/>
-              <a:t>Quick introduction to the commands</a:t>
-            </a:r>
-            <a:endParaRPr lang="da-DK" dirty="0"/>
-          </a:p>
-          <a:p>
-            <a:r>
-              <a:rPr lang="da-DK" dirty="0" smtClean="0"/>
-              <a:t>The exercises</a:t>
+              <a:t>exercises</a:t>
             </a:r>
             <a:endParaRPr lang="da-DK" dirty="0"/>
           </a:p>
@@ -4610,7 +4611,7 @@
         <p:spPr>
           <a:xfrm>
             <a:off x="7251590" y="2550180"/>
-            <a:ext cx="4023360" cy="1292662"/>
+            <a:ext cx="4023360" cy="1323439"/>
           </a:xfrm>
           <a:prstGeom prst="rect">
             <a:avLst/>
@@ -4624,7 +4625,7 @@
           <a:lstStyle/>
           <a:p>
             <a:r>
-              <a:rPr lang="da-DK" dirty="0" smtClean="0"/>
+              <a:rPr lang="da-DK" sz="2000" b="1" dirty="0" smtClean="0"/>
               <a:t>A simple drawing framework</a:t>
             </a:r>
           </a:p>
